--- a/media/cli-commands.pptx
+++ b/media/cli-commands.pptx
@@ -104,6 +104,22 @@
       </a:defRPr>
     </a:lvl9pPr>
   </p:defaultTextStyle>
+  <p:extLst>
+    <p:ext uri="{EFAFB233-063F-42B5-8137-9DF3F51BA10A}">
+      <p15:sldGuideLst xmlns:p15="http://schemas.microsoft.com/office/powerpoint/2012/main">
+        <p15:guide id="1" orient="horz" pos="1191">
+          <p15:clr>
+            <a:srgbClr val="A4A3A4"/>
+          </p15:clr>
+        </p15:guide>
+        <p15:guide id="2" pos="1248">
+          <p15:clr>
+            <a:srgbClr val="A4A3A4"/>
+          </p15:clr>
+        </p15:guide>
+      </p15:sldGuideLst>
+    </p:ext>
+  </p:extLst>
 </p:presentation>
 </file>
 
@@ -288,7 +304,7 @@
           <a:p>
             <a:fld id="{FE7A13D1-14BE-4D81-A5FE-A03231076F48}" type="datetimeFigureOut">
               <a:rPr lang="en-US" smtClean="0"/>
-              <a:t>3/6/2017</a:t>
+              <a:t>3/19/2017</a:t>
             </a:fld>
             <a:endParaRPr lang="en-US"/>
           </a:p>
@@ -330,7 +346,7 @@
           <a:p>
             <a:fld id="{87B1FEB4-2285-4816-B02A-92ED65734515}" type="slidenum">
               <a:rPr lang="en-US" smtClean="0"/>
-              <a:t>‹#›</a:t>
+              <a:t>‹Nr.›</a:t>
             </a:fld>
             <a:endParaRPr lang="en-US"/>
           </a:p>
@@ -458,7 +474,7 @@
           <a:p>
             <a:fld id="{FE7A13D1-14BE-4D81-A5FE-A03231076F48}" type="datetimeFigureOut">
               <a:rPr lang="en-US" smtClean="0"/>
-              <a:t>3/6/2017</a:t>
+              <a:t>3/19/2017</a:t>
             </a:fld>
             <a:endParaRPr lang="en-US"/>
           </a:p>
@@ -500,7 +516,7 @@
           <a:p>
             <a:fld id="{87B1FEB4-2285-4816-B02A-92ED65734515}" type="slidenum">
               <a:rPr lang="en-US" smtClean="0"/>
-              <a:t>‹#›</a:t>
+              <a:t>‹Nr.›</a:t>
             </a:fld>
             <a:endParaRPr lang="en-US"/>
           </a:p>
@@ -638,7 +654,7 @@
           <a:p>
             <a:fld id="{FE7A13D1-14BE-4D81-A5FE-A03231076F48}" type="datetimeFigureOut">
               <a:rPr lang="en-US" smtClean="0"/>
-              <a:t>3/6/2017</a:t>
+              <a:t>3/19/2017</a:t>
             </a:fld>
             <a:endParaRPr lang="en-US"/>
           </a:p>
@@ -680,7 +696,7 @@
           <a:p>
             <a:fld id="{87B1FEB4-2285-4816-B02A-92ED65734515}" type="slidenum">
               <a:rPr lang="en-US" smtClean="0"/>
-              <a:t>‹#›</a:t>
+              <a:t>‹Nr.›</a:t>
             </a:fld>
             <a:endParaRPr lang="en-US"/>
           </a:p>
@@ -808,7 +824,7 @@
           <a:p>
             <a:fld id="{FE7A13D1-14BE-4D81-A5FE-A03231076F48}" type="datetimeFigureOut">
               <a:rPr lang="en-US" smtClean="0"/>
-              <a:t>3/6/2017</a:t>
+              <a:t>3/19/2017</a:t>
             </a:fld>
             <a:endParaRPr lang="en-US"/>
           </a:p>
@@ -850,7 +866,7 @@
           <a:p>
             <a:fld id="{87B1FEB4-2285-4816-B02A-92ED65734515}" type="slidenum">
               <a:rPr lang="en-US" smtClean="0"/>
-              <a:t>‹#›</a:t>
+              <a:t>‹Nr.›</a:t>
             </a:fld>
             <a:endParaRPr lang="en-US"/>
           </a:p>
@@ -1054,7 +1070,7 @@
           <a:p>
             <a:fld id="{FE7A13D1-14BE-4D81-A5FE-A03231076F48}" type="datetimeFigureOut">
               <a:rPr lang="en-US" smtClean="0"/>
-              <a:t>3/6/2017</a:t>
+              <a:t>3/19/2017</a:t>
             </a:fld>
             <a:endParaRPr lang="en-US"/>
           </a:p>
@@ -1096,7 +1112,7 @@
           <a:p>
             <a:fld id="{87B1FEB4-2285-4816-B02A-92ED65734515}" type="slidenum">
               <a:rPr lang="en-US" smtClean="0"/>
-              <a:t>‹#›</a:t>
+              <a:t>‹Nr.›</a:t>
             </a:fld>
             <a:endParaRPr lang="en-US"/>
           </a:p>
@@ -1342,7 +1358,7 @@
           <a:p>
             <a:fld id="{FE7A13D1-14BE-4D81-A5FE-A03231076F48}" type="datetimeFigureOut">
               <a:rPr lang="en-US" smtClean="0"/>
-              <a:t>3/6/2017</a:t>
+              <a:t>3/19/2017</a:t>
             </a:fld>
             <a:endParaRPr lang="en-US"/>
           </a:p>
@@ -1384,7 +1400,7 @@
           <a:p>
             <a:fld id="{87B1FEB4-2285-4816-B02A-92ED65734515}" type="slidenum">
               <a:rPr lang="en-US" smtClean="0"/>
-              <a:t>‹#›</a:t>
+              <a:t>‹Nr.›</a:t>
             </a:fld>
             <a:endParaRPr lang="en-US"/>
           </a:p>
@@ -1769,7 +1785,7 @@
           <a:p>
             <a:fld id="{FE7A13D1-14BE-4D81-A5FE-A03231076F48}" type="datetimeFigureOut">
               <a:rPr lang="en-US" smtClean="0"/>
-              <a:t>3/6/2017</a:t>
+              <a:t>3/19/2017</a:t>
             </a:fld>
             <a:endParaRPr lang="en-US"/>
           </a:p>
@@ -1811,7 +1827,7 @@
           <a:p>
             <a:fld id="{87B1FEB4-2285-4816-B02A-92ED65734515}" type="slidenum">
               <a:rPr lang="en-US" smtClean="0"/>
-              <a:t>‹#›</a:t>
+              <a:t>‹Nr.›</a:t>
             </a:fld>
             <a:endParaRPr lang="en-US"/>
           </a:p>
@@ -1887,7 +1903,7 @@
           <a:p>
             <a:fld id="{FE7A13D1-14BE-4D81-A5FE-A03231076F48}" type="datetimeFigureOut">
               <a:rPr lang="en-US" smtClean="0"/>
-              <a:t>3/6/2017</a:t>
+              <a:t>3/19/2017</a:t>
             </a:fld>
             <a:endParaRPr lang="en-US"/>
           </a:p>
@@ -1929,7 +1945,7 @@
           <a:p>
             <a:fld id="{87B1FEB4-2285-4816-B02A-92ED65734515}" type="slidenum">
               <a:rPr lang="en-US" smtClean="0"/>
-              <a:t>‹#›</a:t>
+              <a:t>‹Nr.›</a:t>
             </a:fld>
             <a:endParaRPr lang="en-US"/>
           </a:p>
@@ -1982,7 +1998,7 @@
           <a:p>
             <a:fld id="{FE7A13D1-14BE-4D81-A5FE-A03231076F48}" type="datetimeFigureOut">
               <a:rPr lang="en-US" smtClean="0"/>
-              <a:t>3/6/2017</a:t>
+              <a:t>3/19/2017</a:t>
             </a:fld>
             <a:endParaRPr lang="en-US"/>
           </a:p>
@@ -2024,7 +2040,7 @@
           <a:p>
             <a:fld id="{87B1FEB4-2285-4816-B02A-92ED65734515}" type="slidenum">
               <a:rPr lang="en-US" smtClean="0"/>
-              <a:t>‹#›</a:t>
+              <a:t>‹Nr.›</a:t>
             </a:fld>
             <a:endParaRPr lang="en-US"/>
           </a:p>
@@ -2259,7 +2275,7 @@
           <a:p>
             <a:fld id="{FE7A13D1-14BE-4D81-A5FE-A03231076F48}" type="datetimeFigureOut">
               <a:rPr lang="en-US" smtClean="0"/>
-              <a:t>3/6/2017</a:t>
+              <a:t>3/19/2017</a:t>
             </a:fld>
             <a:endParaRPr lang="en-US"/>
           </a:p>
@@ -2301,7 +2317,7 @@
           <a:p>
             <a:fld id="{87B1FEB4-2285-4816-B02A-92ED65734515}" type="slidenum">
               <a:rPr lang="en-US" smtClean="0"/>
-              <a:t>‹#›</a:t>
+              <a:t>‹Nr.›</a:t>
             </a:fld>
             <a:endParaRPr lang="en-US"/>
           </a:p>
@@ -2512,7 +2528,7 @@
           <a:p>
             <a:fld id="{FE7A13D1-14BE-4D81-A5FE-A03231076F48}" type="datetimeFigureOut">
               <a:rPr lang="en-US" smtClean="0"/>
-              <a:t>3/6/2017</a:t>
+              <a:t>3/19/2017</a:t>
             </a:fld>
             <a:endParaRPr lang="en-US"/>
           </a:p>
@@ -2554,7 +2570,7 @@
           <a:p>
             <a:fld id="{87B1FEB4-2285-4816-B02A-92ED65734515}" type="slidenum">
               <a:rPr lang="en-US" smtClean="0"/>
-              <a:t>‹#›</a:t>
+              <a:t>‹Nr.›</a:t>
             </a:fld>
             <a:endParaRPr lang="en-US"/>
           </a:p>
@@ -2725,7 +2741,7 @@
           <a:p>
             <a:fld id="{FE7A13D1-14BE-4D81-A5FE-A03231076F48}" type="datetimeFigureOut">
               <a:rPr lang="en-US" smtClean="0"/>
-              <a:t>3/6/2017</a:t>
+              <a:t>3/19/2017</a:t>
             </a:fld>
             <a:endParaRPr lang="en-US"/>
           </a:p>
@@ -2803,7 +2819,7 @@
           <a:p>
             <a:fld id="{87B1FEB4-2285-4816-B02A-92ED65734515}" type="slidenum">
               <a:rPr lang="en-US" smtClean="0"/>
-              <a:t>‹#›</a:t>
+              <a:t>‹Nr.›</a:t>
             </a:fld>
             <a:endParaRPr lang="en-US"/>
           </a:p>
@@ -3109,7 +3125,7 @@
         <p:spPr>
           <a:xfrm>
             <a:off x="813" y="-1"/>
-            <a:ext cx="3960000" cy="3960000"/>
+            <a:ext cx="3960000" cy="4266184"/>
           </a:xfrm>
           <a:prstGeom prst="rect">
             <a:avLst/>
@@ -3152,7 +3168,7 @@
         </p:nvCxnSpPr>
         <p:spPr>
           <a:xfrm>
-            <a:off x="2280080" y="2758519"/>
+            <a:off x="2280080" y="3031819"/>
             <a:ext cx="0" cy="756000"/>
           </a:xfrm>
           <a:prstGeom prst="straightConnector1">
@@ -3193,7 +3209,7 @@
         </p:nvSpPr>
         <p:spPr>
           <a:xfrm>
-            <a:off x="155218" y="805481"/>
+            <a:off x="155218" y="860441"/>
             <a:ext cx="3652783" cy="252001"/>
           </a:xfrm>
           <a:prstGeom prst="rect">
@@ -3243,7 +3259,7 @@
         </p:nvCxnSpPr>
         <p:spPr>
           <a:xfrm>
-            <a:off x="2679196" y="284229"/>
+            <a:off x="2679196" y="339189"/>
             <a:ext cx="0" cy="521252"/>
           </a:xfrm>
           <a:prstGeom prst="straightConnector1">
@@ -3284,7 +3300,7 @@
         </p:nvSpPr>
         <p:spPr>
           <a:xfrm>
-            <a:off x="736015" y="68205"/>
+            <a:off x="736015" y="123165"/>
             <a:ext cx="2409686" cy="216024"/>
           </a:xfrm>
           <a:prstGeom prst="rect">
@@ -3334,7 +3350,7 @@
         </p:nvCxnSpPr>
         <p:spPr>
           <a:xfrm>
-            <a:off x="1203132" y="284229"/>
+            <a:off x="1203132" y="339189"/>
             <a:ext cx="0" cy="521252"/>
           </a:xfrm>
           <a:prstGeom prst="straightConnector1">
@@ -3375,7 +3391,7 @@
         </p:nvSpPr>
         <p:spPr>
           <a:xfrm>
-            <a:off x="753132" y="409076"/>
+            <a:off x="753132" y="464036"/>
             <a:ext cx="900000" cy="179999"/>
           </a:xfrm>
           <a:prstGeom prst="roundRect">
@@ -3441,7 +3457,7 @@
         </p:nvSpPr>
         <p:spPr>
           <a:xfrm>
-            <a:off x="2229196" y="409076"/>
+            <a:off x="2229196" y="464036"/>
             <a:ext cx="900000" cy="179999"/>
           </a:xfrm>
           <a:prstGeom prst="roundRect">
@@ -3507,7 +3523,7 @@
         </p:nvSpPr>
         <p:spPr>
           <a:xfrm>
-            <a:off x="155218" y="2336699"/>
+            <a:off x="155218" y="2609999"/>
             <a:ext cx="3652783" cy="216000"/>
           </a:xfrm>
           <a:prstGeom prst="rect">
@@ -3558,7 +3574,7 @@
         </p:nvCxnSpPr>
         <p:spPr>
           <a:xfrm>
-            <a:off x="1040542" y="2758519"/>
+            <a:off x="1040542" y="3031819"/>
             <a:ext cx="0" cy="756000"/>
           </a:xfrm>
           <a:prstGeom prst="straightConnector1">
@@ -3599,7 +3615,7 @@
         </p:nvCxnSpPr>
         <p:spPr>
           <a:xfrm>
-            <a:off x="425931" y="2758519"/>
+            <a:off x="425931" y="3031819"/>
             <a:ext cx="0" cy="756000"/>
           </a:xfrm>
           <a:prstGeom prst="straightConnector1">
@@ -3640,8 +3656,8 @@
         </p:nvCxnSpPr>
         <p:spPr>
           <a:xfrm>
-            <a:off x="2901536" y="1244146"/>
-            <a:ext cx="0" cy="1094869"/>
+            <a:off x="2901536" y="1299106"/>
+            <a:ext cx="0" cy="1310893"/>
           </a:xfrm>
           <a:prstGeom prst="straightConnector1">
             <a:avLst/>
@@ -3680,9 +3696,9 @@
           <p:nvPr/>
         </p:nvCxnSpPr>
         <p:spPr>
-          <a:xfrm flipH="1">
-            <a:off x="2271983" y="1241792"/>
-            <a:ext cx="8488" cy="1097223"/>
+          <a:xfrm>
+            <a:off x="2280471" y="1296752"/>
+            <a:ext cx="0" cy="1313247"/>
           </a:xfrm>
           <a:prstGeom prst="straightConnector1">
             <a:avLst/>
@@ -3722,7 +3738,7 @@
         </p:nvSpPr>
         <p:spPr>
           <a:xfrm>
-            <a:off x="2019459" y="1917351"/>
+            <a:off x="2019459" y="2177951"/>
             <a:ext cx="540000" cy="179999"/>
           </a:xfrm>
           <a:prstGeom prst="roundRect">
@@ -3788,7 +3804,7 @@
         </p:nvSpPr>
         <p:spPr>
           <a:xfrm>
-            <a:off x="2634070" y="1917351"/>
+            <a:off x="2634070" y="2177951"/>
             <a:ext cx="540000" cy="179999"/>
           </a:xfrm>
           <a:prstGeom prst="roundRect">
@@ -3854,8 +3870,8 @@
         </p:nvCxnSpPr>
         <p:spPr>
           <a:xfrm>
-            <a:off x="3523989" y="1244146"/>
-            <a:ext cx="0" cy="1094869"/>
+            <a:off x="3523989" y="1299106"/>
+            <a:ext cx="0" cy="1310893"/>
           </a:xfrm>
           <a:prstGeom prst="straightConnector1">
             <a:avLst/>
@@ -3895,7 +3911,7 @@
         </p:nvSpPr>
         <p:spPr>
           <a:xfrm>
-            <a:off x="3261609" y="1917351"/>
+            <a:off x="3261609" y="2177951"/>
             <a:ext cx="540000" cy="179999"/>
           </a:xfrm>
           <a:prstGeom prst="roundRect">
@@ -3961,7 +3977,7 @@
         </p:nvCxnSpPr>
         <p:spPr>
           <a:xfrm>
-            <a:off x="1660461" y="2758519"/>
+            <a:off x="1660461" y="3031819"/>
             <a:ext cx="0" cy="756000"/>
           </a:xfrm>
           <a:prstGeom prst="straightConnector1">
@@ -4002,7 +4018,7 @@
         </p:nvCxnSpPr>
         <p:spPr>
           <a:xfrm>
-            <a:off x="2893552" y="2758519"/>
+            <a:off x="2893552" y="3031819"/>
             <a:ext cx="0" cy="756000"/>
           </a:xfrm>
           <a:prstGeom prst="straightConnector1">
@@ -4043,7 +4059,7 @@
         </p:nvCxnSpPr>
         <p:spPr>
           <a:xfrm>
-            <a:off x="3531651" y="2758519"/>
+            <a:off x="3531651" y="3031819"/>
             <a:ext cx="0" cy="756000"/>
           </a:xfrm>
           <a:prstGeom prst="straightConnector1">
@@ -4084,7 +4100,7 @@
         </p:nvSpPr>
         <p:spPr>
           <a:xfrm>
-            <a:off x="155218" y="2597299"/>
+            <a:off x="155218" y="2870599"/>
             <a:ext cx="3652783" cy="108000"/>
           </a:xfrm>
           <a:prstGeom prst="rect">
@@ -4135,7 +4151,7 @@
         </p:nvSpPr>
         <p:spPr>
           <a:xfrm>
-            <a:off x="2014305" y="1099049"/>
+            <a:off x="2014305" y="1154009"/>
             <a:ext cx="1775243" cy="108000"/>
           </a:xfrm>
           <a:prstGeom prst="rect">
@@ -4181,15 +4197,13 @@
       <p:cxnSp>
         <p:nvCxnSpPr>
           <p:cNvPr id="126" name="Straight Arrow Connector 125"/>
-          <p:cNvCxnSpPr>
-            <a:endCxn id="133" idx="0"/>
-          </p:cNvCxnSpPr>
+          <p:cNvCxnSpPr/>
           <p:nvPr/>
         </p:nvCxnSpPr>
         <p:spPr>
           <a:xfrm>
-            <a:off x="1037808" y="1247493"/>
-            <a:ext cx="0" cy="566100"/>
+            <a:off x="1037808" y="1296752"/>
+            <a:ext cx="0" cy="592134"/>
           </a:xfrm>
           <a:prstGeom prst="straightConnector1">
             <a:avLst/>
@@ -4224,15 +4238,13 @@
       <p:cxnSp>
         <p:nvCxnSpPr>
           <p:cNvPr id="127" name="Straight Arrow Connector 126"/>
-          <p:cNvCxnSpPr>
-            <a:endCxn id="134" idx="0"/>
-          </p:cNvCxnSpPr>
+          <p:cNvCxnSpPr/>
           <p:nvPr/>
         </p:nvCxnSpPr>
         <p:spPr>
           <a:xfrm>
-            <a:off x="1637179" y="1247493"/>
-            <a:ext cx="0" cy="566693"/>
+            <a:off x="1637179" y="1296752"/>
+            <a:ext cx="0" cy="592134"/>
           </a:xfrm>
           <a:prstGeom prst="straightConnector1">
             <a:avLst/>
@@ -4267,15 +4279,13 @@
       <p:cxnSp>
         <p:nvCxnSpPr>
           <p:cNvPr id="128" name="Straight Arrow Connector 127"/>
-          <p:cNvCxnSpPr>
-            <a:endCxn id="130" idx="0"/>
-          </p:cNvCxnSpPr>
+          <p:cNvCxnSpPr/>
           <p:nvPr/>
         </p:nvCxnSpPr>
         <p:spPr>
-          <a:xfrm flipH="1">
-            <a:off x="438437" y="1244146"/>
-            <a:ext cx="2534" cy="569447"/>
+          <a:xfrm>
+            <a:off x="438437" y="1296752"/>
+            <a:ext cx="0" cy="592134"/>
           </a:xfrm>
           <a:prstGeom prst="straightConnector1">
             <a:avLst/>
@@ -4315,7 +4325,7 @@
         </p:nvSpPr>
         <p:spPr>
           <a:xfrm>
-            <a:off x="172241" y="1379387"/>
+            <a:off x="172241" y="1434347"/>
             <a:ext cx="540000" cy="179999"/>
           </a:xfrm>
           <a:prstGeom prst="roundRect">
@@ -4381,7 +4391,7 @@
         </p:nvSpPr>
         <p:spPr>
           <a:xfrm>
-            <a:off x="168437" y="1813593"/>
+            <a:off x="168437" y="2105390"/>
             <a:ext cx="540000" cy="360000"/>
           </a:xfrm>
           <a:prstGeom prst="rect">
@@ -4417,17 +4427,17 @@
           <a:p>
             <a:pPr algn="ctr"/>
             <a:r>
-              <a:rPr lang="de-DE" sz="1100" smtClean="0"/>
-              <a:t>Firebase</a:t>
+              <a:rPr lang="de-DE" sz="1100" dirty="0" smtClean="0"/>
+              <a:t>Live</a:t>
             </a:r>
           </a:p>
           <a:p>
             <a:pPr algn="ctr"/>
             <a:r>
-              <a:rPr lang="de-DE" sz="1100" smtClean="0"/>
-              <a:t>+ Server</a:t>
-            </a:r>
-            <a:endParaRPr lang="de-DE" sz="1600"/>
+              <a:rPr lang="de-DE" sz="1100" dirty="0" smtClean="0"/>
+              <a:t>Server</a:t>
+            </a:r>
+            <a:endParaRPr lang="de-DE" sz="1600" dirty="0"/>
           </a:p>
         </p:txBody>
       </p:sp>
@@ -4439,7 +4449,7 @@
         </p:nvSpPr>
         <p:spPr>
           <a:xfrm>
-            <a:off x="771612" y="1379387"/>
+            <a:off x="771612" y="1434347"/>
             <a:ext cx="540000" cy="179999"/>
           </a:xfrm>
           <a:prstGeom prst="roundRect">
@@ -4505,7 +4515,7 @@
         </p:nvSpPr>
         <p:spPr>
           <a:xfrm>
-            <a:off x="1370983" y="1379387"/>
+            <a:off x="1370983" y="1434347"/>
             <a:ext cx="540000" cy="179999"/>
           </a:xfrm>
           <a:prstGeom prst="roundRect">
@@ -4571,7 +4581,7 @@
         </p:nvSpPr>
         <p:spPr>
           <a:xfrm>
-            <a:off x="767808" y="1813593"/>
+            <a:off x="767808" y="2105390"/>
             <a:ext cx="540000" cy="360000"/>
           </a:xfrm>
           <a:prstGeom prst="rect">
@@ -4629,7 +4639,7 @@
         </p:nvSpPr>
         <p:spPr>
           <a:xfrm>
-            <a:off x="1367179" y="1814186"/>
+            <a:off x="1367179" y="2105983"/>
             <a:ext cx="540000" cy="360000"/>
           </a:xfrm>
           <a:prstGeom prst="rect">
@@ -4687,7 +4697,7 @@
         </p:nvSpPr>
         <p:spPr>
           <a:xfrm>
-            <a:off x="170362" y="1099049"/>
+            <a:off x="170362" y="1154009"/>
             <a:ext cx="1736817" cy="108000"/>
           </a:xfrm>
           <a:prstGeom prst="rect">
@@ -4738,7 +4748,7 @@
         </p:nvSpPr>
         <p:spPr>
           <a:xfrm>
-            <a:off x="2634916" y="3526242"/>
+            <a:off x="2634916" y="3799542"/>
             <a:ext cx="540000" cy="360000"/>
           </a:xfrm>
           <a:prstGeom prst="rect">
@@ -4795,7 +4805,7 @@
         </p:nvSpPr>
         <p:spPr>
           <a:xfrm>
-            <a:off x="3257147" y="3526242"/>
+            <a:off x="3257147" y="3799542"/>
             <a:ext cx="540000" cy="360000"/>
           </a:xfrm>
           <a:prstGeom prst="rect">
@@ -4853,7 +4863,7 @@
         </p:nvSpPr>
         <p:spPr>
           <a:xfrm>
-            <a:off x="2634916" y="2892478"/>
+            <a:off x="2634916" y="3165778"/>
             <a:ext cx="540000" cy="179999"/>
           </a:xfrm>
           <a:prstGeom prst="roundRect">
@@ -4919,7 +4929,7 @@
         </p:nvSpPr>
         <p:spPr>
           <a:xfrm>
-            <a:off x="3257147" y="2892478"/>
+            <a:off x="3257147" y="3165778"/>
             <a:ext cx="540000" cy="179999"/>
           </a:xfrm>
           <a:prstGeom prst="roundRect">
@@ -4985,7 +4995,7 @@
         </p:nvSpPr>
         <p:spPr>
           <a:xfrm>
-            <a:off x="2013962" y="3527624"/>
+            <a:off x="2013962" y="3800924"/>
             <a:ext cx="540000" cy="360000"/>
           </a:xfrm>
           <a:prstGeom prst="rect">
@@ -5043,7 +5053,7 @@
         </p:nvSpPr>
         <p:spPr>
           <a:xfrm>
-            <a:off x="2013962" y="2893267"/>
+            <a:off x="2013962" y="3166567"/>
             <a:ext cx="540000" cy="179999"/>
           </a:xfrm>
           <a:prstGeom prst="roundRect">
@@ -5109,7 +5119,7 @@
         </p:nvSpPr>
         <p:spPr>
           <a:xfrm>
-            <a:off x="148074" y="3526124"/>
+            <a:off x="148074" y="3799424"/>
             <a:ext cx="540000" cy="360000"/>
           </a:xfrm>
           <a:prstGeom prst="rect">
@@ -5167,7 +5177,7 @@
         </p:nvSpPr>
         <p:spPr>
           <a:xfrm>
-            <a:off x="769166" y="3526124"/>
+            <a:off x="769166" y="3799424"/>
             <a:ext cx="540000" cy="360000"/>
           </a:xfrm>
           <a:prstGeom prst="rect">
@@ -5225,7 +5235,7 @@
         </p:nvSpPr>
         <p:spPr>
           <a:xfrm>
-            <a:off x="1399645" y="3526123"/>
+            <a:off x="1399645" y="3799423"/>
             <a:ext cx="540000" cy="360000"/>
           </a:xfrm>
           <a:prstGeom prst="rect">
@@ -5283,7 +5293,7 @@
         </p:nvSpPr>
         <p:spPr>
           <a:xfrm>
-            <a:off x="148074" y="2893268"/>
+            <a:off x="148074" y="3166568"/>
             <a:ext cx="1779468" cy="179999"/>
           </a:xfrm>
           <a:prstGeom prst="roundRect">
@@ -5349,7 +5359,7 @@
         </p:nvSpPr>
         <p:spPr>
           <a:xfrm>
-            <a:off x="150571" y="3137913"/>
+            <a:off x="150571" y="3411213"/>
             <a:ext cx="540000" cy="179999"/>
           </a:xfrm>
           <a:prstGeom prst="roundRect">
@@ -5415,7 +5425,7 @@
         </p:nvSpPr>
         <p:spPr>
           <a:xfrm>
-            <a:off x="761546" y="3137912"/>
+            <a:off x="761546" y="3411212"/>
             <a:ext cx="540000" cy="179999"/>
           </a:xfrm>
           <a:prstGeom prst="roundRect">
@@ -5481,7 +5491,7 @@
         </p:nvSpPr>
         <p:spPr>
           <a:xfrm>
-            <a:off x="1400242" y="3137913"/>
+            <a:off x="1400242" y="3411213"/>
             <a:ext cx="540000" cy="179999"/>
           </a:xfrm>
           <a:prstGeom prst="roundRect">
@@ -5536,6 +5546,65 @@
                 </a:schemeClr>
               </a:solidFill>
             </a:endParaRPr>
+          </a:p>
+        </p:txBody>
+      </p:sp>
+      <p:sp>
+        <p:nvSpPr>
+          <p:cNvPr id="49" name="Rectangle 129"/>
+          <p:cNvSpPr/>
+          <p:nvPr/>
+        </p:nvSpPr>
+        <p:spPr>
+          <a:xfrm>
+            <a:off x="155931" y="1888886"/>
+            <a:ext cx="1751248" cy="171904"/>
+          </a:xfrm>
+          <a:prstGeom prst="rect">
+            <a:avLst/>
+          </a:prstGeom>
+          <a:solidFill>
+            <a:schemeClr val="accent3">
+              <a:lumMod val="20000"/>
+              <a:lumOff val="80000"/>
+            </a:schemeClr>
+          </a:solidFill>
+          <a:ln>
+            <a:noFill/>
+          </a:ln>
+        </p:spPr>
+        <p:style>
+          <a:lnRef idx="2">
+            <a:schemeClr val="accent1"/>
+          </a:lnRef>
+          <a:fillRef idx="1">
+            <a:schemeClr val="lt1"/>
+          </a:fillRef>
+          <a:effectRef idx="0">
+            <a:schemeClr val="accent1"/>
+          </a:effectRef>
+          <a:fontRef idx="minor">
+            <a:schemeClr val="dk1"/>
+          </a:fontRef>
+        </p:style>
+        <p:txBody>
+          <a:bodyPr lIns="0" tIns="0" rIns="0" bIns="0" spcCol="0" rtlCol="0" anchor="ctr"/>
+          <a:lstStyle/>
+          <a:p>
+            <a:pPr algn="ctr"/>
+            <a:r>
+              <a:rPr lang="de-DE" sz="1100" dirty="0" err="1" smtClean="0"/>
+              <a:t>Dev-Firebase</a:t>
+            </a:r>
+            <a:r>
+              <a:rPr lang="de-DE" sz="1100" dirty="0" smtClean="0"/>
+              <a:t> </a:t>
+            </a:r>
+            <a:r>
+              <a:rPr lang="de-DE" sz="1100" dirty="0" err="1" smtClean="0"/>
+              <a:t>rules</a:t>
+            </a:r>
+            <a:endParaRPr lang="de-DE" sz="1600" dirty="0"/>
           </a:p>
         </p:txBody>
       </p:sp>

--- a/media/cli-commands.pptx
+++ b/media/cli-commands.pptx
@@ -106,7 +106,7 @@
   </p:defaultTextStyle>
   <p:extLst>
     <p:ext uri="{EFAFB233-063F-42B5-8137-9DF3F51BA10A}">
-      <p15:sldGuideLst xmlns:p15="http://schemas.microsoft.com/office/powerpoint/2012/main">
+      <p15:sldGuideLst xmlns:p15="http://schemas.microsoft.com/office/powerpoint/2012/main" xmlns="">
         <p15:guide id="1" orient="horz" pos="1191">
           <p15:clr>
             <a:srgbClr val="A4A3A4"/>
@@ -304,7 +304,7 @@
           <a:p>
             <a:fld id="{FE7A13D1-14BE-4D81-A5FE-A03231076F48}" type="datetimeFigureOut">
               <a:rPr lang="en-US" smtClean="0"/>
-              <a:t>3/19/2017</a:t>
+              <a:t>5/2/2017</a:t>
             </a:fld>
             <a:endParaRPr lang="en-US"/>
           </a:p>
@@ -346,7 +346,7 @@
           <a:p>
             <a:fld id="{87B1FEB4-2285-4816-B02A-92ED65734515}" type="slidenum">
               <a:rPr lang="en-US" smtClean="0"/>
-              <a:t>‹Nr.›</a:t>
+              <a:t>‹#›</a:t>
             </a:fld>
             <a:endParaRPr lang="en-US"/>
           </a:p>
@@ -474,7 +474,7 @@
           <a:p>
             <a:fld id="{FE7A13D1-14BE-4D81-A5FE-A03231076F48}" type="datetimeFigureOut">
               <a:rPr lang="en-US" smtClean="0"/>
-              <a:t>3/19/2017</a:t>
+              <a:t>5/2/2017</a:t>
             </a:fld>
             <a:endParaRPr lang="en-US"/>
           </a:p>
@@ -516,7 +516,7 @@
           <a:p>
             <a:fld id="{87B1FEB4-2285-4816-B02A-92ED65734515}" type="slidenum">
               <a:rPr lang="en-US" smtClean="0"/>
-              <a:t>‹Nr.›</a:t>
+              <a:t>‹#›</a:t>
             </a:fld>
             <a:endParaRPr lang="en-US"/>
           </a:p>
@@ -654,7 +654,7 @@
           <a:p>
             <a:fld id="{FE7A13D1-14BE-4D81-A5FE-A03231076F48}" type="datetimeFigureOut">
               <a:rPr lang="en-US" smtClean="0"/>
-              <a:t>3/19/2017</a:t>
+              <a:t>5/2/2017</a:t>
             </a:fld>
             <a:endParaRPr lang="en-US"/>
           </a:p>
@@ -696,7 +696,7 @@
           <a:p>
             <a:fld id="{87B1FEB4-2285-4816-B02A-92ED65734515}" type="slidenum">
               <a:rPr lang="en-US" smtClean="0"/>
-              <a:t>‹Nr.›</a:t>
+              <a:t>‹#›</a:t>
             </a:fld>
             <a:endParaRPr lang="en-US"/>
           </a:p>
@@ -824,7 +824,7 @@
           <a:p>
             <a:fld id="{FE7A13D1-14BE-4D81-A5FE-A03231076F48}" type="datetimeFigureOut">
               <a:rPr lang="en-US" smtClean="0"/>
-              <a:t>3/19/2017</a:t>
+              <a:t>5/2/2017</a:t>
             </a:fld>
             <a:endParaRPr lang="en-US"/>
           </a:p>
@@ -866,7 +866,7 @@
           <a:p>
             <a:fld id="{87B1FEB4-2285-4816-B02A-92ED65734515}" type="slidenum">
               <a:rPr lang="en-US" smtClean="0"/>
-              <a:t>‹Nr.›</a:t>
+              <a:t>‹#›</a:t>
             </a:fld>
             <a:endParaRPr lang="en-US"/>
           </a:p>
@@ -1070,7 +1070,7 @@
           <a:p>
             <a:fld id="{FE7A13D1-14BE-4D81-A5FE-A03231076F48}" type="datetimeFigureOut">
               <a:rPr lang="en-US" smtClean="0"/>
-              <a:t>3/19/2017</a:t>
+              <a:t>5/2/2017</a:t>
             </a:fld>
             <a:endParaRPr lang="en-US"/>
           </a:p>
@@ -1112,7 +1112,7 @@
           <a:p>
             <a:fld id="{87B1FEB4-2285-4816-B02A-92ED65734515}" type="slidenum">
               <a:rPr lang="en-US" smtClean="0"/>
-              <a:t>‹Nr.›</a:t>
+              <a:t>‹#›</a:t>
             </a:fld>
             <a:endParaRPr lang="en-US"/>
           </a:p>
@@ -1358,7 +1358,7 @@
           <a:p>
             <a:fld id="{FE7A13D1-14BE-4D81-A5FE-A03231076F48}" type="datetimeFigureOut">
               <a:rPr lang="en-US" smtClean="0"/>
-              <a:t>3/19/2017</a:t>
+              <a:t>5/2/2017</a:t>
             </a:fld>
             <a:endParaRPr lang="en-US"/>
           </a:p>
@@ -1400,7 +1400,7 @@
           <a:p>
             <a:fld id="{87B1FEB4-2285-4816-B02A-92ED65734515}" type="slidenum">
               <a:rPr lang="en-US" smtClean="0"/>
-              <a:t>‹Nr.›</a:t>
+              <a:t>‹#›</a:t>
             </a:fld>
             <a:endParaRPr lang="en-US"/>
           </a:p>
@@ -1785,7 +1785,7 @@
           <a:p>
             <a:fld id="{FE7A13D1-14BE-4D81-A5FE-A03231076F48}" type="datetimeFigureOut">
               <a:rPr lang="en-US" smtClean="0"/>
-              <a:t>3/19/2017</a:t>
+              <a:t>5/2/2017</a:t>
             </a:fld>
             <a:endParaRPr lang="en-US"/>
           </a:p>
@@ -1827,7 +1827,7 @@
           <a:p>
             <a:fld id="{87B1FEB4-2285-4816-B02A-92ED65734515}" type="slidenum">
               <a:rPr lang="en-US" smtClean="0"/>
-              <a:t>‹Nr.›</a:t>
+              <a:t>‹#›</a:t>
             </a:fld>
             <a:endParaRPr lang="en-US"/>
           </a:p>
@@ -1903,7 +1903,7 @@
           <a:p>
             <a:fld id="{FE7A13D1-14BE-4D81-A5FE-A03231076F48}" type="datetimeFigureOut">
               <a:rPr lang="en-US" smtClean="0"/>
-              <a:t>3/19/2017</a:t>
+              <a:t>5/2/2017</a:t>
             </a:fld>
             <a:endParaRPr lang="en-US"/>
           </a:p>
@@ -1945,7 +1945,7 @@
           <a:p>
             <a:fld id="{87B1FEB4-2285-4816-B02A-92ED65734515}" type="slidenum">
               <a:rPr lang="en-US" smtClean="0"/>
-              <a:t>‹Nr.›</a:t>
+              <a:t>‹#›</a:t>
             </a:fld>
             <a:endParaRPr lang="en-US"/>
           </a:p>
@@ -1998,7 +1998,7 @@
           <a:p>
             <a:fld id="{FE7A13D1-14BE-4D81-A5FE-A03231076F48}" type="datetimeFigureOut">
               <a:rPr lang="en-US" smtClean="0"/>
-              <a:t>3/19/2017</a:t>
+              <a:t>5/2/2017</a:t>
             </a:fld>
             <a:endParaRPr lang="en-US"/>
           </a:p>
@@ -2040,7 +2040,7 @@
           <a:p>
             <a:fld id="{87B1FEB4-2285-4816-B02A-92ED65734515}" type="slidenum">
               <a:rPr lang="en-US" smtClean="0"/>
-              <a:t>‹Nr.›</a:t>
+              <a:t>‹#›</a:t>
             </a:fld>
             <a:endParaRPr lang="en-US"/>
           </a:p>
@@ -2275,7 +2275,7 @@
           <a:p>
             <a:fld id="{FE7A13D1-14BE-4D81-A5FE-A03231076F48}" type="datetimeFigureOut">
               <a:rPr lang="en-US" smtClean="0"/>
-              <a:t>3/19/2017</a:t>
+              <a:t>5/2/2017</a:t>
             </a:fld>
             <a:endParaRPr lang="en-US"/>
           </a:p>
@@ -2317,7 +2317,7 @@
           <a:p>
             <a:fld id="{87B1FEB4-2285-4816-B02A-92ED65734515}" type="slidenum">
               <a:rPr lang="en-US" smtClean="0"/>
-              <a:t>‹Nr.›</a:t>
+              <a:t>‹#›</a:t>
             </a:fld>
             <a:endParaRPr lang="en-US"/>
           </a:p>
@@ -2528,7 +2528,7 @@
           <a:p>
             <a:fld id="{FE7A13D1-14BE-4D81-A5FE-A03231076F48}" type="datetimeFigureOut">
               <a:rPr lang="en-US" smtClean="0"/>
-              <a:t>3/19/2017</a:t>
+              <a:t>5/2/2017</a:t>
             </a:fld>
             <a:endParaRPr lang="en-US"/>
           </a:p>
@@ -2570,7 +2570,7 @@
           <a:p>
             <a:fld id="{87B1FEB4-2285-4816-B02A-92ED65734515}" type="slidenum">
               <a:rPr lang="en-US" smtClean="0"/>
-              <a:t>‹Nr.›</a:t>
+              <a:t>‹#›</a:t>
             </a:fld>
             <a:endParaRPr lang="en-US"/>
           </a:p>
@@ -2741,7 +2741,7 @@
           <a:p>
             <a:fld id="{FE7A13D1-14BE-4D81-A5FE-A03231076F48}" type="datetimeFigureOut">
               <a:rPr lang="en-US" smtClean="0"/>
-              <a:t>3/19/2017</a:t>
+              <a:t>5/2/2017</a:t>
             </a:fld>
             <a:endParaRPr lang="en-US"/>
           </a:p>
@@ -2819,7 +2819,7 @@
           <a:p>
             <a:fld id="{87B1FEB4-2285-4816-B02A-92ED65734515}" type="slidenum">
               <a:rPr lang="en-US" smtClean="0"/>
-              <a:t>‹Nr.›</a:t>
+              <a:t>‹#›</a:t>
             </a:fld>
             <a:endParaRPr lang="en-US"/>
           </a:p>
@@ -5593,12 +5593,12 @@
           <a:p>
             <a:pPr algn="ctr"/>
             <a:r>
-              <a:rPr lang="de-DE" sz="1100" dirty="0" err="1" smtClean="0"/>
-              <a:t>Dev-Firebase</a:t>
-            </a:r>
-            <a:r>
-              <a:rPr lang="de-DE" sz="1100" dirty="0" smtClean="0"/>
-              <a:t> </a:t>
+              <a:rPr lang="de-DE" sz="1100" smtClean="0"/>
+              <a:t>dev</a:t>
+            </a:r>
+            <a:r>
+              <a:rPr lang="de-DE" sz="1100" smtClean="0"/>
+              <a:t>Firebase </a:t>
             </a:r>
             <a:r>
               <a:rPr lang="de-DE" sz="1100" dirty="0" err="1" smtClean="0"/>
